--- a/tesina/Tesina Fusco Alberto.ppt.pptx
+++ b/tesina/Tesina Fusco Alberto.ppt.pptx
@@ -1046,168 +1046,184 @@
           </a:p>
           <a:p>
             <a:r>
-              <a:rPr lang="it-IT" b="1" i="0" dirty="0">
-                <a:solidFill>
-                  <a:srgbClr val="222222"/>
+              <a:rPr lang="it-IT" b="1" i="0" u="none" dirty="0">
+                <a:solidFill>
+                  <a:schemeClr val="tx1"/>
                 </a:solidFill>
                 <a:effectLst/>
-                <a:latin typeface="Helvetica Neue" panose="02000503000000020004" pitchFamily="2"/>
+                <a:latin typeface="Arial" panose="020B0604020202020204" pitchFamily="34" charset="0"/>
+                <a:cs typeface="Arial" panose="020B0604020202020204" pitchFamily="34" charset="0"/>
               </a:rPr>
               <a:t>Tesla, Inc.</a:t>
             </a:r>
             <a:r>
-              <a:rPr lang="it-IT" b="0" i="0" dirty="0">
-                <a:solidFill>
-                  <a:srgbClr val="222222"/>
+              <a:rPr lang="it-IT" b="0" i="0" u="none" dirty="0">
+                <a:solidFill>
+                  <a:schemeClr val="tx1"/>
                 </a:solidFill>
                 <a:effectLst/>
-                <a:latin typeface="Helvetica Neue" panose="02000503000000020004" pitchFamily="2"/>
+                <a:latin typeface="Arial" panose="020B0604020202020204" pitchFamily="34" charset="0"/>
+                <a:cs typeface="Arial" panose="020B0604020202020204" pitchFamily="34" charset="0"/>
               </a:rPr>
               <a:t> (conosciuta prima del 2017 come </a:t>
             </a:r>
             <a:r>
-              <a:rPr lang="it-IT" b="1" i="0" dirty="0">
-                <a:solidFill>
-                  <a:srgbClr val="222222"/>
+              <a:rPr lang="it-IT" b="1" i="0" u="none" dirty="0">
+                <a:solidFill>
+                  <a:schemeClr val="tx1"/>
                 </a:solidFill>
                 <a:effectLst/>
-                <a:latin typeface="Helvetica Neue" panose="02000503000000020004" pitchFamily="2"/>
+                <a:latin typeface="Arial" panose="020B0604020202020204" pitchFamily="34" charset="0"/>
+                <a:cs typeface="Arial" panose="020B0604020202020204" pitchFamily="34" charset="0"/>
               </a:rPr>
               <a:t>Tesla Motors</a:t>
             </a:r>
             <a:r>
               <a:rPr lang="it-IT" b="0" i="0" u="none" strike="noStrike" baseline="30000" dirty="0">
                 <a:solidFill>
-                  <a:srgbClr val="5A3696"/>
+                  <a:schemeClr val="tx1"/>
                 </a:solidFill>
                 <a:effectLst/>
-                <a:latin typeface="inherit"/>
+                <a:latin typeface="Arial" panose="020B0604020202020204" pitchFamily="34" charset="0"/>
+                <a:cs typeface="Arial" panose="020B0604020202020204" pitchFamily="34" charset="0"/>
                 <a:hlinkClick r:id="rId3"/>
               </a:rPr>
               <a:t>[1]</a:t>
             </a:r>
             <a:r>
-              <a:rPr lang="it-IT" b="0" i="0" dirty="0">
-                <a:solidFill>
-                  <a:srgbClr val="222222"/>
+              <a:rPr lang="it-IT" b="0" i="0" u="none" dirty="0">
+                <a:solidFill>
+                  <a:schemeClr val="tx1"/>
                 </a:solidFill>
                 <a:effectLst/>
-                <a:latin typeface="Helvetica Neue" panose="02000503000000020004" pitchFamily="2"/>
+                <a:latin typeface="Arial" panose="020B0604020202020204" pitchFamily="34" charset="0"/>
+                <a:cs typeface="Arial" panose="020B0604020202020204" pitchFamily="34" charset="0"/>
               </a:rPr>
               <a:t>) è un'</a:t>
             </a:r>
             <a:r>
               <a:rPr lang="it-IT" b="0" i="0" u="none" strike="noStrike" dirty="0">
                 <a:solidFill>
-                  <a:srgbClr val="5A3696"/>
+                  <a:schemeClr val="tx1"/>
                 </a:solidFill>
                 <a:effectLst/>
-                <a:latin typeface="Helvetica Neue" panose="02000503000000020004" pitchFamily="2"/>
+                <a:latin typeface="Arial" panose="020B0604020202020204" pitchFamily="34" charset="0"/>
+                <a:cs typeface="Arial" panose="020B0604020202020204" pitchFamily="34" charset="0"/>
                 <a:hlinkClick r:id="rId4" tooltip="Casa automobilistica"/>
               </a:rPr>
               <a:t>azienda automobilistica</a:t>
             </a:r>
             <a:r>
-              <a:rPr lang="it-IT" b="0" i="0" dirty="0">
-                <a:solidFill>
-                  <a:srgbClr val="222222"/>
+              <a:rPr lang="it-IT" b="0" i="0" u="none" dirty="0">
+                <a:solidFill>
+                  <a:schemeClr val="tx1"/>
                 </a:solidFill>
                 <a:effectLst/>
-                <a:latin typeface="Helvetica Neue" panose="02000503000000020004" pitchFamily="2"/>
+                <a:latin typeface="Arial" panose="020B0604020202020204" pitchFamily="34" charset="0"/>
+                <a:cs typeface="Arial" panose="020B0604020202020204" pitchFamily="34" charset="0"/>
               </a:rPr>
               <a:t> che ha come obiettivo la creazione di </a:t>
             </a:r>
             <a:r>
               <a:rPr lang="it-IT" b="0" i="0" u="none" strike="noStrike" dirty="0">
                 <a:solidFill>
-                  <a:srgbClr val="5A3696"/>
+                  <a:schemeClr val="tx1"/>
                 </a:solidFill>
                 <a:effectLst/>
-                <a:latin typeface="Helvetica Neue" panose="02000503000000020004" pitchFamily="2"/>
+                <a:latin typeface="Arial" panose="020B0604020202020204" pitchFamily="34" charset="0"/>
+                <a:cs typeface="Arial" panose="020B0604020202020204" pitchFamily="34" charset="0"/>
                 <a:hlinkClick r:id="rId5" tooltip="Auto elettrica"/>
               </a:rPr>
               <a:t>veicoli elettrici</a:t>
             </a:r>
             <a:r>
-              <a:rPr lang="it-IT" b="0" i="0" dirty="0">
-                <a:solidFill>
-                  <a:srgbClr val="222222"/>
+              <a:rPr lang="it-IT" b="0" i="0" u="none" dirty="0">
+                <a:solidFill>
+                  <a:schemeClr val="tx1"/>
                 </a:solidFill>
                 <a:effectLst/>
-                <a:latin typeface="Helvetica Neue" panose="02000503000000020004" pitchFamily="2"/>
+                <a:latin typeface="Arial" panose="020B0604020202020204" pitchFamily="34" charset="0"/>
+                <a:cs typeface="Arial" panose="020B0604020202020204" pitchFamily="34" charset="0"/>
               </a:rPr>
               <a:t> ad alte prestazioni orientati verso il mercato di massa. Fondata nel 2003 a </a:t>
             </a:r>
             <a:r>
               <a:rPr lang="it-IT" b="0" i="0" u="none" strike="noStrike" dirty="0">
                 <a:solidFill>
-                  <a:srgbClr val="5A3696"/>
+                  <a:schemeClr val="tx1"/>
                 </a:solidFill>
                 <a:effectLst/>
-                <a:latin typeface="Helvetica Neue" panose="02000503000000020004" pitchFamily="2"/>
+                <a:latin typeface="Arial" panose="020B0604020202020204" pitchFamily="34" charset="0"/>
+                <a:cs typeface="Arial" panose="020B0604020202020204" pitchFamily="34" charset="0"/>
                 <a:hlinkClick r:id="rId6" tooltip="San Carlos (Contea di San Mateo)"/>
               </a:rPr>
               <a:t>San Carlos</a:t>
             </a:r>
             <a:r>
-              <a:rPr lang="it-IT" b="0" i="0" dirty="0">
-                <a:solidFill>
-                  <a:srgbClr val="222222"/>
+              <a:rPr lang="it-IT" b="0" i="0" u="none" dirty="0">
+                <a:solidFill>
+                  <a:schemeClr val="tx1"/>
                 </a:solidFill>
                 <a:effectLst/>
-                <a:latin typeface="Helvetica Neue" panose="02000503000000020004" pitchFamily="2"/>
+                <a:latin typeface="Arial" panose="020B0604020202020204" pitchFamily="34" charset="0"/>
+                <a:cs typeface="Arial" panose="020B0604020202020204" pitchFamily="34" charset="0"/>
               </a:rPr>
               <a:t> in </a:t>
             </a:r>
             <a:r>
               <a:rPr lang="it-IT" b="0" i="0" u="none" strike="noStrike" dirty="0">
                 <a:solidFill>
-                  <a:srgbClr val="5A3696"/>
+                  <a:schemeClr val="tx1"/>
                 </a:solidFill>
                 <a:effectLst/>
-                <a:latin typeface="Helvetica Neue" panose="02000503000000020004" pitchFamily="2"/>
+                <a:latin typeface="Arial" panose="020B0604020202020204" pitchFamily="34" charset="0"/>
+                <a:cs typeface="Arial" panose="020B0604020202020204" pitchFamily="34" charset="0"/>
                 <a:hlinkClick r:id="rId7" tooltip="California"/>
               </a:rPr>
               <a:t>California</a:t>
             </a:r>
             <a:r>
-              <a:rPr lang="it-IT" b="0" i="0" dirty="0">
-                <a:solidFill>
-                  <a:srgbClr val="222222"/>
+              <a:rPr lang="it-IT" b="0" i="0" u="none" dirty="0">
+                <a:solidFill>
+                  <a:schemeClr val="tx1"/>
                 </a:solidFill>
                 <a:effectLst/>
-                <a:latin typeface="Helvetica Neue" panose="02000503000000020004" pitchFamily="2"/>
+                <a:latin typeface="Arial" panose="020B0604020202020204" pitchFamily="34" charset="0"/>
+                <a:cs typeface="Arial" panose="020B0604020202020204" pitchFamily="34" charset="0"/>
               </a:rPr>
               <a:t> da </a:t>
             </a:r>
             <a:r>
               <a:rPr lang="it-IT" b="0" i="0" u="none" strike="noStrike" dirty="0">
                 <a:solidFill>
-                  <a:srgbClr val="5A3696"/>
+                  <a:schemeClr val="tx1"/>
                 </a:solidFill>
                 <a:effectLst/>
-                <a:latin typeface="Helvetica Neue" panose="02000503000000020004" pitchFamily="2"/>
+                <a:latin typeface="Arial" panose="020B0604020202020204" pitchFamily="34" charset="0"/>
+                <a:cs typeface="Arial" panose="020B0604020202020204" pitchFamily="34" charset="0"/>
                 <a:hlinkClick r:id="rId8" tooltip="Elon Musk"/>
               </a:rPr>
               <a:t>Elon Musk</a:t>
             </a:r>
             <a:r>
-              <a:rPr lang="it-IT" b="0" i="0" dirty="0">
-                <a:solidFill>
-                  <a:srgbClr val="222222"/>
+              <a:rPr lang="it-IT" b="0" i="0" u="none" dirty="0">
+                <a:solidFill>
+                  <a:schemeClr val="tx1"/>
                 </a:solidFill>
                 <a:effectLst/>
-                <a:latin typeface="Helvetica Neue" panose="02000503000000020004" pitchFamily="2"/>
+                <a:latin typeface="Arial" panose="020B0604020202020204" pitchFamily="34" charset="0"/>
+                <a:cs typeface="Arial" panose="020B0604020202020204" pitchFamily="34" charset="0"/>
               </a:rPr>
               <a:t> e </a:t>
             </a:r>
             <a:r>
               <a:rPr lang="it-IT" b="0" i="0" u="none" strike="noStrike" dirty="0">
                 <a:solidFill>
-                  <a:srgbClr val="CC0000"/>
+                  <a:schemeClr val="tx1"/>
                 </a:solidFill>
                 <a:effectLst/>
-                <a:latin typeface="Helvetica Neue" panose="02000503000000020004" pitchFamily="2"/>
+                <a:latin typeface="Arial" panose="020B0604020202020204" pitchFamily="34" charset="0"/>
+                <a:cs typeface="Arial" panose="020B0604020202020204" pitchFamily="34" charset="0"/>
                 <a:hlinkClick r:id="rId9" tooltip="JB Straubel (la pagina non esiste)"/>
               </a:rPr>
               <a:t>JB </a:t>
@@ -1215,31 +1231,34 @@
             <a:r>
               <a:rPr lang="it-IT" b="0" i="0" u="none" strike="noStrike" dirty="0" err="1">
                 <a:solidFill>
-                  <a:srgbClr val="CC0000"/>
+                  <a:schemeClr val="tx1"/>
                 </a:solidFill>
                 <a:effectLst/>
-                <a:latin typeface="Helvetica Neue" panose="02000503000000020004" pitchFamily="2"/>
+                <a:latin typeface="Arial" panose="020B0604020202020204" pitchFamily="34" charset="0"/>
+                <a:cs typeface="Arial" panose="020B0604020202020204" pitchFamily="34" charset="0"/>
                 <a:hlinkClick r:id="rId9" tooltip="JB Straubel (la pagina non esiste)"/>
               </a:rPr>
               <a:t>Straubel</a:t>
             </a:r>
             <a:r>
-              <a:rPr lang="it-IT" b="0" i="0" dirty="0">
-                <a:solidFill>
-                  <a:srgbClr val="222222"/>
+              <a:rPr lang="it-IT" b="0" i="0" u="none" dirty="0">
+                <a:solidFill>
+                  <a:schemeClr val="tx1"/>
                 </a:solidFill>
                 <a:effectLst/>
-                <a:latin typeface="Helvetica Neue" panose="02000503000000020004" pitchFamily="2"/>
+                <a:latin typeface="Arial" panose="020B0604020202020204" pitchFamily="34" charset="0"/>
+                <a:cs typeface="Arial" panose="020B0604020202020204" pitchFamily="34" charset="0"/>
               </a:rPr>
               <a:t> insieme a </a:t>
             </a:r>
             <a:r>
               <a:rPr lang="it-IT" b="0" i="0" u="none" strike="noStrike" dirty="0">
                 <a:solidFill>
-                  <a:srgbClr val="CC0000"/>
+                  <a:schemeClr val="tx1"/>
                 </a:solidFill>
                 <a:effectLst/>
-                <a:latin typeface="Helvetica Neue" panose="02000503000000020004" pitchFamily="2"/>
+                <a:latin typeface="Arial" panose="020B0604020202020204" pitchFamily="34" charset="0"/>
+                <a:cs typeface="Arial" panose="020B0604020202020204" pitchFamily="34" charset="0"/>
                 <a:hlinkClick r:id="rId10" tooltip="Martin Eberhard (la pagina non esiste)"/>
               </a:rPr>
               <a:t>Martin </a:t>
@@ -1247,31 +1266,34 @@
             <a:r>
               <a:rPr lang="it-IT" b="0" i="0" u="none" strike="noStrike" dirty="0" err="1">
                 <a:solidFill>
-                  <a:srgbClr val="CC0000"/>
+                  <a:schemeClr val="tx1"/>
                 </a:solidFill>
                 <a:effectLst/>
-                <a:latin typeface="Helvetica Neue" panose="02000503000000020004" pitchFamily="2"/>
+                <a:latin typeface="Arial" panose="020B0604020202020204" pitchFamily="34" charset="0"/>
+                <a:cs typeface="Arial" panose="020B0604020202020204" pitchFamily="34" charset="0"/>
                 <a:hlinkClick r:id="rId10" tooltip="Martin Eberhard (la pagina non esiste)"/>
               </a:rPr>
               <a:t>Eberhard</a:t>
             </a:r>
             <a:r>
-              <a:rPr lang="it-IT" b="0" i="0" dirty="0">
-                <a:solidFill>
-                  <a:srgbClr val="222222"/>
+              <a:rPr lang="it-IT" b="0" i="0" u="none" dirty="0">
+                <a:solidFill>
+                  <a:schemeClr val="tx1"/>
                 </a:solidFill>
                 <a:effectLst/>
-                <a:latin typeface="Helvetica Neue" panose="02000503000000020004" pitchFamily="2"/>
+                <a:latin typeface="Arial" panose="020B0604020202020204" pitchFamily="34" charset="0"/>
+                <a:cs typeface="Arial" panose="020B0604020202020204" pitchFamily="34" charset="0"/>
               </a:rPr>
               <a:t> e </a:t>
             </a:r>
             <a:r>
               <a:rPr lang="it-IT" b="0" i="0" u="none" strike="noStrike" dirty="0">
                 <a:solidFill>
-                  <a:srgbClr val="CC0000"/>
+                  <a:schemeClr val="tx1"/>
                 </a:solidFill>
                 <a:effectLst/>
-                <a:latin typeface="Helvetica Neue" panose="02000503000000020004" pitchFamily="2"/>
+                <a:latin typeface="Arial" panose="020B0604020202020204" pitchFamily="34" charset="0"/>
+                <a:cs typeface="Arial" panose="020B0604020202020204" pitchFamily="34" charset="0"/>
                 <a:hlinkClick r:id="rId11" tooltip="Marc Tarpenning (la pagina non esiste)"/>
               </a:rPr>
               <a:t>Marc </a:t>
@@ -1279,46 +1301,56 @@
             <a:r>
               <a:rPr lang="it-IT" b="0" i="0" u="none" strike="noStrike" dirty="0" err="1">
                 <a:solidFill>
-                  <a:srgbClr val="CC0000"/>
+                  <a:schemeClr val="tx1"/>
                 </a:solidFill>
                 <a:effectLst/>
-                <a:latin typeface="Helvetica Neue" panose="02000503000000020004" pitchFamily="2"/>
+                <a:latin typeface="Arial" panose="020B0604020202020204" pitchFamily="34" charset="0"/>
+                <a:cs typeface="Arial" panose="020B0604020202020204" pitchFamily="34" charset="0"/>
                 <a:hlinkClick r:id="rId11" tooltip="Marc Tarpenning (la pagina non esiste)"/>
               </a:rPr>
               <a:t>Tarpenning</a:t>
             </a:r>
             <a:r>
-              <a:rPr lang="it-IT" b="0" i="0" dirty="0">
-                <a:solidFill>
-                  <a:srgbClr val="222222"/>
+              <a:rPr lang="it-IT" b="0" i="0" u="none" dirty="0">
+                <a:solidFill>
+                  <a:schemeClr val="tx1"/>
                 </a:solidFill>
                 <a:effectLst/>
-                <a:latin typeface="Helvetica Neue" panose="02000503000000020004" pitchFamily="2"/>
+                <a:latin typeface="Arial" panose="020B0604020202020204" pitchFamily="34" charset="0"/>
+                <a:cs typeface="Arial" panose="020B0604020202020204" pitchFamily="34" charset="0"/>
               </a:rPr>
               <a:t>, la ditta è cresciuta in organico fino a comprendere molti esperti mondiali di informatica e sistemi di calcolo, nel campo elettrico e dell'ingegneria elettrica ed elettronica. L'azienda è chiamata così in onore del noto inventore </a:t>
             </a:r>
             <a:r>
               <a:rPr lang="it-IT" b="0" i="0" u="none" strike="noStrike" dirty="0">
                 <a:solidFill>
-                  <a:srgbClr val="5A3696"/>
+                  <a:schemeClr val="tx1"/>
                 </a:solidFill>
                 <a:effectLst/>
-                <a:latin typeface="Helvetica Neue" panose="02000503000000020004" pitchFamily="2"/>
+                <a:latin typeface="Arial" panose="020B0604020202020204" pitchFamily="34" charset="0"/>
+                <a:cs typeface="Arial" panose="020B0604020202020204" pitchFamily="34" charset="0"/>
                 <a:hlinkClick r:id="rId12" tooltip="Nikola Tesla"/>
               </a:rPr>
               <a:t>Nikola Tesla</a:t>
             </a:r>
             <a:r>
-              <a:rPr lang="it-IT" b="0" i="0" dirty="0">
-                <a:solidFill>
-                  <a:srgbClr val="222222"/>
+              <a:rPr lang="it-IT" b="0" i="0" u="none" dirty="0">
+                <a:solidFill>
+                  <a:schemeClr val="tx1"/>
                 </a:solidFill>
                 <a:effectLst/>
-                <a:latin typeface="Helvetica Neue" panose="02000503000000020004" pitchFamily="2"/>
+                <a:latin typeface="Arial" panose="020B0604020202020204" pitchFamily="34" charset="0"/>
+                <a:cs typeface="Arial" panose="020B0604020202020204" pitchFamily="34" charset="0"/>
               </a:rPr>
               <a:t>. Il 24 agosto 2015, secondo una classifica di Forbes, Tesla è l'azienda più innovativa al mondo.</a:t>
             </a:r>
-            <a:endParaRPr lang="it-IT" dirty="0"/>
+            <a:endParaRPr lang="it-IT" u="none" dirty="0">
+              <a:solidFill>
+                <a:schemeClr val="tx1"/>
+              </a:solidFill>
+              <a:latin typeface="Arial" panose="020B0604020202020204" pitchFamily="34" charset="0"/>
+              <a:cs typeface="Arial" panose="020B0604020202020204" pitchFamily="34" charset="0"/>
+            </a:endParaRPr>
           </a:p>
           <a:p>
             <a:r>
@@ -1590,10 +1622,50 @@
                 <a:effectLst/>
                 <a:latin typeface="Open Sans"/>
               </a:rPr>
-              <a:t>Attualmente non è possibile per tutti ricaricare la propria auto direttamente dalla rete elettrica domestica per motivi tecnici e di costi.</a:t>
-            </a:r>
-          </a:p>
-          <a:p>
+              <a:t>Attualmente non è possibile per tutti ricaricare la propria auto direttamente dalla rete elettrica domestica per motivi tecnici e di costi</a:t>
+            </a:r>
+            <a:r>
+              <a:rPr lang="it-IT" b="0" i="0" dirty="0" smtClean="0">
+                <a:solidFill>
+                  <a:srgbClr val="1C1C1C"/>
+                </a:solidFill>
+                <a:effectLst/>
+                <a:latin typeface="Open Sans"/>
+              </a:rPr>
+              <a:t>.</a:t>
+            </a:r>
+          </a:p>
+          <a:p>
+            <a:pPr marL="0" indent="0">
+              <a:buFont typeface="Arial" panose="020B0604020202020204" pitchFamily="34" charset="0"/>
+              <a:buNone/>
+            </a:pPr>
+            <a:r>
+              <a:rPr lang="it-IT" b="0" i="0" dirty="0" smtClean="0">
+                <a:solidFill>
+                  <a:srgbClr val="1C1C1C"/>
+                </a:solidFill>
+                <a:effectLst/>
+                <a:latin typeface="Open Sans"/>
+              </a:rPr>
+              <a:t>Motore</a:t>
+            </a:r>
+            <a:r>
+              <a:rPr lang="it-IT" b="0" i="0" baseline="0" dirty="0" smtClean="0">
+                <a:solidFill>
+                  <a:srgbClr val="1C1C1C"/>
+                </a:solidFill>
+                <a:effectLst/>
+                <a:latin typeface="Open Sans"/>
+              </a:rPr>
+              <a:t> elettrico brushless:</a:t>
+            </a:r>
+          </a:p>
+          <a:p>
+            <a:r>
+              <a:rPr lang="it-IT" dirty="0" smtClean="0"/>
+              <a:t>Il motore brushless è un motore elettrico a corrente continua avente il rotore a magneti permanenti e lo statore a campo magnetico rotante. A differenza di un motore a spazzole non ha quindi bisogno di contatti elettrici striscianti (spazzole) sull'albero del rotore per funzionare. La commutazione della corrente circolante negli avvolgimenti dello statore, e quindi la variazione dell'orientamento del campo magnetico da essi generato, avviene elettronicamente. Ciò comporta una minore resistenza meccanica, elimina la possibilità che si formino scintille al crescere della velocità di rotazione, e riduce notevolmente la necessità di manutenzione periodica.</a:t>
+            </a:r>
             <a:r>
               <a:rPr lang="it-IT" dirty="0"/>
               <a:t/>
@@ -5919,7 +5991,7 @@
         </p:nvSpPr>
         <p:spPr>
           <a:xfrm>
-            <a:off x="468313" y="1741617"/>
+            <a:off x="481129" y="1700808"/>
             <a:ext cx="3939334" cy="3970318"/>
           </a:xfrm>
           <a:prstGeom prst="rect">

--- a/tesina/Tesina Fusco Alberto.ppt.pptx
+++ b/tesina/Tesina Fusco Alberto.ppt.pptx
@@ -5324,7 +5324,7 @@
       </p:sp>
       <p:pic>
         <p:nvPicPr>
-          <p:cNvPr id="12293" name="Immagine 6"/>
+          <p:cNvPr id="12294" name="Immagine 9"/>
           <p:cNvPicPr>
             <a:picLocks noChangeAspect="1" noChangeArrowheads="1"/>
           </p:cNvPicPr>
@@ -5345,8 +5345,8 @@
         </p:blipFill>
         <p:spPr bwMode="auto">
           <a:xfrm>
-            <a:off x="5148263" y="1263650"/>
-            <a:ext cx="3024187" cy="2619375"/>
+            <a:off x="5508104" y="4251000"/>
+            <a:ext cx="3455987" cy="2607000"/>
           </a:xfrm>
           <a:prstGeom prst="rect">
             <a:avLst/>
@@ -5378,13 +5378,13 @@
       </p:pic>
       <p:pic>
         <p:nvPicPr>
-          <p:cNvPr id="12294" name="Immagine 9"/>
+          <p:cNvPr id="2" name="Immagine 1"/>
           <p:cNvPicPr>
-            <a:picLocks noChangeAspect="1" noChangeArrowheads="1"/>
+            <a:picLocks noChangeAspect="1"/>
           </p:cNvPicPr>
           <p:nvPr/>
         </p:nvPicPr>
-        <p:blipFill>
+        <p:blipFill rotWithShape="1">
           <a:blip r:embed="rId3">
             <a:extLst>
               <a:ext uri="{28A0092B-C50C-407E-A947-70E740481C1C}">
@@ -5392,42 +5392,17 @@
               </a:ext>
             </a:extLst>
           </a:blip>
-          <a:srcRect/>
-          <a:stretch>
-            <a:fillRect/>
-          </a:stretch>
+          <a:srcRect l="3380" t="4640" r="2121" b="3266"/>
+          <a:stretch/>
         </p:blipFill>
-        <p:spPr bwMode="auto">
+        <p:spPr>
           <a:xfrm>
-            <a:off x="5148263" y="4052888"/>
-            <a:ext cx="3455987" cy="2533650"/>
+            <a:off x="5220072" y="1124744"/>
+            <a:ext cx="3494878" cy="3122092"/>
           </a:xfrm>
           <a:prstGeom prst="rect">
             <a:avLst/>
           </a:prstGeom>
-          <a:noFill/>
-          <a:ln>
-            <a:noFill/>
-          </a:ln>
-          <a:extLst>
-            <a:ext uri="{909E8E84-426E-40DD-AFC4-6F175D3DCCD1}">
-              <a14:hiddenFill xmlns:a14="http://schemas.microsoft.com/office/drawing/2010/main">
-                <a:solidFill>
-                  <a:srgbClr val="FFFFFF"/>
-                </a:solidFill>
-              </a14:hiddenFill>
-            </a:ext>
-            <a:ext uri="{91240B29-F687-4F45-9708-019B960494DF}">
-              <a14:hiddenLine xmlns:a14="http://schemas.microsoft.com/office/drawing/2010/main" w="9525">
-                <a:solidFill>
-                  <a:srgbClr val="000000"/>
-                </a:solidFill>
-                <a:miter lim="800000"/>
-                <a:headEnd/>
-                <a:tailEnd/>
-              </a14:hiddenLine>
-            </a:ext>
-          </a:extLst>
         </p:spPr>
       </p:pic>
     </p:spTree>
@@ -6516,8 +6491,8 @@
         </p:nvSpPr>
         <p:spPr>
           <a:xfrm>
-            <a:off x="468313" y="1187450"/>
-            <a:ext cx="5249935" cy="5793653"/>
+            <a:off x="107504" y="1178398"/>
+            <a:ext cx="5327823" cy="5793653"/>
           </a:xfrm>
         </p:spPr>
         <p:txBody>
@@ -6757,41 +6732,36 @@
           </a:p>
         </p:txBody>
       </p:sp>
-      <p:sp>
-        <p:nvSpPr>
-          <p:cNvPr id="3" name="CasellaDiTesto 2"/>
-          <p:cNvSpPr txBox="1"/>
+      <p:pic>
+        <p:nvPicPr>
+          <p:cNvPr id="2" name="Immagine 1"/>
+          <p:cNvPicPr>
+            <a:picLocks noChangeAspect="1"/>
+          </p:cNvPicPr>
           <p:nvPr/>
-        </p:nvSpPr>
+        </p:nvPicPr>
+        <p:blipFill>
+          <a:blip r:embed="rId2">
+            <a:extLst>
+              <a:ext uri="{28A0092B-C50C-407E-A947-70E740481C1C}">
+                <a14:useLocalDpi xmlns:a14="http://schemas.microsoft.com/office/drawing/2010/main" val="0"/>
+              </a:ext>
+            </a:extLst>
+          </a:blip>
+          <a:stretch>
+            <a:fillRect/>
+          </a:stretch>
+        </p:blipFill>
         <p:spPr>
           <a:xfrm>
-            <a:off x="5575553" y="2791491"/>
-            <a:ext cx="3568447" cy="923330"/>
+            <a:off x="5030092" y="2135075"/>
+            <a:ext cx="4073057" cy="3370488"/>
           </a:xfrm>
           <a:prstGeom prst="rect">
             <a:avLst/>
           </a:prstGeom>
-          <a:noFill/>
         </p:spPr>
-        <p:txBody>
-          <a:bodyPr wrap="square" rtlCol="0">
-            <a:spAutoFit/>
-          </a:bodyPr>
-          <a:lstStyle/>
-          <a:p>
-            <a:pPr algn="l"/>
-            <a:r>
-              <a:rPr lang="it-IT" dirty="0"/>
-              <a:t>INSERIRE SCHEMA IDRAULICO FATTO IN </a:t>
-            </a:r>
-            <a:r>
-              <a:rPr lang="it-IT" dirty="0" err="1"/>
-              <a:t>AUTOCAD</a:t>
-            </a:r>
-            <a:endParaRPr lang="it-IT" dirty="0"/>
-          </a:p>
-        </p:txBody>
-      </p:sp>
+      </p:pic>
     </p:spTree>
   </p:cSld>
   <p:clrMapOvr>
